--- a/iot/02 JSP Servlet/02 lab/lab15 Salgrade (MVC model2) 설계 문제.pptx
+++ b/iot/02 JSP Servlet/02 lab/lab15 Salgrade (MVC model2) 설계 문제.pptx
@@ -107,7 +107,7 @@
   </p:defaultTextStyle>
   <p:extLst>
     <p:ext uri="{EFAFB233-063F-42B5-8137-9DF3F51BA10A}">
-      <p15:sldGuideLst xmlns:p15="http://schemas.microsoft.com/office/powerpoint/2012/main">
+      <p15:sldGuideLst xmlns:p15="http://schemas.microsoft.com/office/powerpoint/2012/main" xmlns="">
         <p15:guide id="1" orient="horz" pos="2160">
           <p15:clr>
             <a:srgbClr val="A4A3A4"/>
@@ -3084,8 +3084,8 @@
         </p:nvSpPr>
         <p:spPr>
           <a:xfrm>
-            <a:off x="3064677" y="860975"/>
-            <a:ext cx="3071834" cy="1569660"/>
+            <a:off x="3013793" y="907401"/>
+            <a:ext cx="3071834" cy="461665"/>
           </a:xfrm>
           <a:prstGeom prst="rect">
             <a:avLst/>
@@ -3104,155 +3104,14 @@
           <a:lstStyle/>
           <a:p>
             <a:r>
-              <a:rPr lang="ko-KR" altLang="en-US" sz="1200" dirty="0" err="1" smtClean="0">
+              <a:rPr lang="en-US" altLang="ko-KR" sz="1200" smtClean="0">
                 <a:solidFill>
                   <a:srgbClr val="0000FF"/>
                 </a:solidFill>
               </a:rPr>
-              <a:t>클래스명</a:t>
+              <a:t>SalServlet</a:t>
             </a:r>
             <a:endParaRPr lang="en-US" altLang="ko-KR" sz="1200" b="1" dirty="0" smtClean="0">
-              <a:solidFill>
-                <a:srgbClr val="0000FF"/>
-              </a:solidFill>
-            </a:endParaRPr>
-          </a:p>
-          <a:p>
-            <a:endParaRPr lang="en-US" altLang="ko-KR" sz="1200" dirty="0" smtClean="0">
-              <a:solidFill>
-                <a:srgbClr val="0000FF"/>
-              </a:solidFill>
-            </a:endParaRPr>
-          </a:p>
-          <a:p>
-            <a:r>
-              <a:rPr lang="en-US" altLang="ko-KR" sz="1200" dirty="0">
-                <a:solidFill>
-                  <a:srgbClr val="0000FF"/>
-                </a:solidFill>
-              </a:rPr>
-              <a:t> </a:t>
-            </a:r>
-            <a:r>
-              <a:rPr lang="en-US" altLang="ko-KR" sz="1200" dirty="0" smtClean="0">
-                <a:solidFill>
-                  <a:srgbClr val="0000FF"/>
-                </a:solidFill>
-              </a:rPr>
-              <a:t> </a:t>
-            </a:r>
-            <a:r>
-              <a:rPr lang="ko-KR" altLang="en-US" sz="1200" dirty="0" err="1" smtClean="0">
-                <a:solidFill>
-                  <a:srgbClr val="0000FF"/>
-                </a:solidFill>
-              </a:rPr>
-              <a:t>메소드명</a:t>
-            </a:r>
-            <a:r>
-              <a:rPr lang="en-US" altLang="ko-KR" sz="1200" dirty="0">
-                <a:solidFill>
-                  <a:srgbClr val="0000FF"/>
-                </a:solidFill>
-              </a:rPr>
-              <a:t>1</a:t>
-            </a:r>
-          </a:p>
-          <a:p>
-            <a:r>
-              <a:rPr lang="en-US" altLang="ko-KR" sz="1200" dirty="0">
-                <a:solidFill>
-                  <a:srgbClr val="0000FF"/>
-                </a:solidFill>
-              </a:rPr>
-              <a:t>    </a:t>
-            </a:r>
-            <a:r>
-              <a:rPr lang="ko-KR" altLang="en-US" sz="1200" dirty="0">
-                <a:solidFill>
-                  <a:srgbClr val="0000FF"/>
-                </a:solidFill>
-              </a:rPr>
-              <a:t>처리 </a:t>
-            </a:r>
-            <a:r>
-              <a:rPr lang="ko-KR" altLang="en-US" sz="1200" dirty="0" smtClean="0">
-                <a:solidFill>
-                  <a:srgbClr val="0000FF"/>
-                </a:solidFill>
-              </a:rPr>
-              <a:t>내용</a:t>
-            </a:r>
-            <a:endParaRPr lang="en-US" altLang="ko-KR" sz="1200" dirty="0" smtClean="0">
-              <a:solidFill>
-                <a:srgbClr val="0000FF"/>
-              </a:solidFill>
-            </a:endParaRPr>
-          </a:p>
-          <a:p>
-            <a:r>
-              <a:rPr lang="ko-KR" altLang="en-US" sz="1200" dirty="0" smtClean="0">
-                <a:solidFill>
-                  <a:srgbClr val="0000FF"/>
-                </a:solidFill>
-              </a:rPr>
-              <a:t>  </a:t>
-            </a:r>
-            <a:r>
-              <a:rPr lang="ko-KR" altLang="en-US" sz="1200" dirty="0" err="1" smtClean="0">
-                <a:solidFill>
-                  <a:srgbClr val="0000FF"/>
-                </a:solidFill>
-              </a:rPr>
-              <a:t>메소드명</a:t>
-            </a:r>
-            <a:r>
-              <a:rPr lang="en-US" altLang="ko-KR" sz="1200" dirty="0" smtClean="0">
-                <a:solidFill>
-                  <a:srgbClr val="0000FF"/>
-                </a:solidFill>
-              </a:rPr>
-              <a:t>2</a:t>
-            </a:r>
-            <a:endParaRPr lang="en-US" altLang="ko-KR" sz="1200" dirty="0">
-              <a:solidFill>
-                <a:srgbClr val="0000FF"/>
-              </a:solidFill>
-            </a:endParaRPr>
-          </a:p>
-          <a:p>
-            <a:r>
-              <a:rPr lang="en-US" altLang="ko-KR" sz="1200" dirty="0">
-                <a:solidFill>
-                  <a:srgbClr val="0000FF"/>
-                </a:solidFill>
-              </a:rPr>
-              <a:t>    </a:t>
-            </a:r>
-            <a:r>
-              <a:rPr lang="ko-KR" altLang="en-US" sz="1200" dirty="0">
-                <a:solidFill>
-                  <a:srgbClr val="0000FF"/>
-                </a:solidFill>
-              </a:rPr>
-              <a:t>처리 내용 </a:t>
-            </a:r>
-            <a:endParaRPr lang="en-US" altLang="ko-KR" sz="1200" dirty="0">
-              <a:solidFill>
-                <a:srgbClr val="0000FF"/>
-              </a:solidFill>
-            </a:endParaRPr>
-          </a:p>
-          <a:p>
-            <a:r>
-              <a:rPr lang="ko-KR" altLang="en-US" sz="1200" dirty="0" smtClean="0">
-                <a:solidFill>
-                  <a:srgbClr val="0000FF"/>
-                </a:solidFill>
-              </a:rPr>
-              <a:t> </a:t>
-            </a:r>
-            <a:endParaRPr lang="en-US" altLang="ko-KR" sz="1200" dirty="0">
               <a:solidFill>
                 <a:srgbClr val="0000FF"/>
               </a:solidFill>
@@ -3295,12 +3154,12 @@
           <a:lstStyle/>
           <a:p>
             <a:r>
-              <a:rPr lang="ko-KR" altLang="en-US" sz="1200" dirty="0" err="1" smtClean="0">
+              <a:rPr lang="en-US" altLang="ko-KR" sz="1200" dirty="0" smtClean="0">
                 <a:solidFill>
                   <a:srgbClr val="0000FF"/>
                 </a:solidFill>
               </a:rPr>
-              <a:t>클래스명</a:t>
+              <a:t>SalDAO.java</a:t>
             </a:r>
             <a:endParaRPr lang="en-US" altLang="ko-KR" sz="1200" dirty="0" smtClean="0">
               <a:solidFill>
@@ -3379,7 +3238,7 @@
         <p:spPr>
           <a:xfrm>
             <a:off x="-20162" y="1858274"/>
-            <a:ext cx="2771800" cy="1015663"/>
+            <a:ext cx="2771800" cy="830997"/>
           </a:xfrm>
           <a:prstGeom prst="rect">
             <a:avLst/>
@@ -3398,76 +3257,21 @@
           <a:lstStyle/>
           <a:p>
             <a:r>
-              <a:rPr lang="ko-KR" altLang="en-US" sz="1200" b="1" dirty="0" smtClean="0">
+              <a:rPr lang="en-US" altLang="ko-KR" sz="1200" b="1" dirty="0" err="1">
                 <a:solidFill>
                   <a:srgbClr val="0000FF"/>
                 </a:solidFill>
               </a:rPr>
-              <a:t>화면이름 </a:t>
-            </a:r>
-            <a:r>
-              <a:rPr lang="en-US" altLang="ko-KR" sz="1200" b="1" dirty="0" smtClean="0">
+              <a:t>s</a:t>
+            </a:r>
+            <a:r>
+              <a:rPr lang="en-US" altLang="ko-KR" sz="1200" b="1" dirty="0" err="1" smtClean="0">
                 <a:solidFill>
                   <a:srgbClr val="0000FF"/>
                 </a:solidFill>
               </a:rPr>
-              <a:t>(    </a:t>
-            </a:r>
-            <a:r>
-              <a:rPr lang="en-US" altLang="ko-KR" sz="1200" b="1" dirty="0" err="1" smtClean="0">
-                <a:solidFill>
-                  <a:srgbClr val="0000FF"/>
-                </a:solidFill>
-              </a:rPr>
-              <a:t>jsp</a:t>
-            </a:r>
-            <a:r>
-              <a:rPr lang="en-US" altLang="ko-KR" sz="1200" b="1" dirty="0" smtClean="0">
-                <a:solidFill>
-                  <a:srgbClr val="0000FF"/>
-                </a:solidFill>
-              </a:rPr>
-              <a:t> </a:t>
-            </a:r>
-            <a:r>
-              <a:rPr lang="ko-KR" altLang="en-US" sz="1200" b="1" dirty="0" smtClean="0">
-                <a:solidFill>
-                  <a:srgbClr val="0000FF"/>
-                </a:solidFill>
-              </a:rPr>
-              <a:t>또는 </a:t>
-            </a:r>
-            <a:r>
-              <a:rPr lang="en-US" altLang="ko-KR" sz="1200" b="1" dirty="0" smtClean="0">
-                <a:solidFill>
-                  <a:srgbClr val="0000FF"/>
-                </a:solidFill>
-              </a:rPr>
-              <a:t>html </a:t>
-            </a:r>
-            <a:r>
-              <a:rPr lang="ko-KR" altLang="en-US" sz="1200" b="1" dirty="0" smtClean="0">
-                <a:solidFill>
-                  <a:srgbClr val="0000FF"/>
-                </a:solidFill>
-              </a:rPr>
-              <a:t>파일명 </a:t>
-            </a:r>
-            <a:r>
-              <a:rPr lang="en-US" altLang="ko-KR" sz="1200" b="1" dirty="0" smtClean="0">
-                <a:solidFill>
-                  <a:srgbClr val="0000FF"/>
-                </a:solidFill>
-              </a:rPr>
-              <a:t> )   </a:t>
-            </a:r>
-            <a:endParaRPr lang="en-US" altLang="ko-KR" sz="1200" dirty="0">
-              <a:solidFill>
-                <a:srgbClr val="0000FF"/>
-              </a:solidFill>
-            </a:endParaRPr>
-          </a:p>
-          <a:p>
+              <a:t>elect.jsp</a:t>
+            </a:r>
             <a:endParaRPr lang="en-US" altLang="ko-KR" sz="1200" dirty="0">
               <a:solidFill>
                 <a:srgbClr val="0000FF"/>
@@ -3614,7 +3418,7 @@
         </p:nvCxnSpPr>
         <p:spPr>
           <a:xfrm flipH="1">
-            <a:off x="2380496" y="6015332"/>
+            <a:off x="2751638" y="4725144"/>
             <a:ext cx="339758" cy="216024"/>
           </a:xfrm>
           <a:prstGeom prst="straightConnector1">
@@ -3647,7 +3451,7 @@
         </p:nvCxnSpPr>
         <p:spPr>
           <a:xfrm>
-            <a:off x="7464423" y="4801471"/>
+            <a:off x="6166775" y="1157623"/>
             <a:ext cx="322255" cy="517240"/>
           </a:xfrm>
           <a:prstGeom prst="straightConnector1">
@@ -3682,7 +3486,7 @@
         <p:spPr>
           <a:xfrm>
             <a:off x="4234" y="769912"/>
-            <a:ext cx="2771800" cy="646331"/>
+            <a:ext cx="2771800" cy="276999"/>
           </a:xfrm>
           <a:prstGeom prst="rect">
             <a:avLst/>
@@ -3701,98 +3505,12 @@
           <a:lstStyle/>
           <a:p>
             <a:r>
-              <a:rPr lang="ko-KR" altLang="en-US" sz="1200" b="1" dirty="0">
+              <a:rPr lang="en-US" altLang="ko-KR" sz="1200" b="1" dirty="0" err="1" smtClean="0">
                 <a:solidFill>
                   <a:srgbClr val="0000FF"/>
                 </a:solidFill>
               </a:rPr>
-              <a:t>화면이름 </a:t>
-            </a:r>
-            <a:r>
-              <a:rPr lang="en-US" altLang="ko-KR" sz="1200" b="1" dirty="0">
-                <a:solidFill>
-                  <a:srgbClr val="0000FF"/>
-                </a:solidFill>
-              </a:rPr>
-              <a:t>(    </a:t>
-            </a:r>
-            <a:r>
-              <a:rPr lang="en-US" altLang="ko-KR" sz="1200" b="1" dirty="0" err="1">
-                <a:solidFill>
-                  <a:srgbClr val="0000FF"/>
-                </a:solidFill>
-              </a:rPr>
-              <a:t>jsp</a:t>
-            </a:r>
-            <a:r>
-              <a:rPr lang="en-US" altLang="ko-KR" sz="1200" b="1" dirty="0">
-                <a:solidFill>
-                  <a:srgbClr val="0000FF"/>
-                </a:solidFill>
-              </a:rPr>
-              <a:t> </a:t>
-            </a:r>
-            <a:r>
-              <a:rPr lang="ko-KR" altLang="en-US" sz="1200" b="1" dirty="0">
-                <a:solidFill>
-                  <a:srgbClr val="0000FF"/>
-                </a:solidFill>
-              </a:rPr>
-              <a:t>또는 </a:t>
-            </a:r>
-            <a:r>
-              <a:rPr lang="en-US" altLang="ko-KR" sz="1200" b="1" dirty="0">
-                <a:solidFill>
-                  <a:srgbClr val="0000FF"/>
-                </a:solidFill>
-              </a:rPr>
-              <a:t>html </a:t>
-            </a:r>
-            <a:r>
-              <a:rPr lang="ko-KR" altLang="en-US" sz="1200" b="1" dirty="0">
-                <a:solidFill>
-                  <a:srgbClr val="0000FF"/>
-                </a:solidFill>
-              </a:rPr>
-              <a:t>파일명 </a:t>
-            </a:r>
-            <a:r>
-              <a:rPr lang="en-US" altLang="ko-KR" sz="1200" b="1" dirty="0">
-                <a:solidFill>
-                  <a:srgbClr val="0000FF"/>
-                </a:solidFill>
-              </a:rPr>
-              <a:t> )   </a:t>
-            </a:r>
-            <a:endParaRPr lang="en-US" altLang="ko-KR" sz="1200" dirty="0">
-              <a:solidFill>
-                <a:srgbClr val="0000FF"/>
-              </a:solidFill>
-            </a:endParaRPr>
-          </a:p>
-          <a:p>
-            <a:endParaRPr lang="en-US" altLang="ko-KR" sz="1200" dirty="0">
-              <a:solidFill>
-                <a:srgbClr val="0000FF"/>
-              </a:solidFill>
-            </a:endParaRPr>
-          </a:p>
-          <a:p>
-            <a:r>
-              <a:rPr lang="en-US" altLang="ko-KR" sz="1200" dirty="0" smtClean="0">
-                <a:solidFill>
-                  <a:srgbClr val="0000FF"/>
-                </a:solidFill>
-              </a:rPr>
-              <a:t>        </a:t>
-            </a:r>
-            <a:r>
-              <a:rPr lang="ko-KR" altLang="en-US" sz="1200" dirty="0" smtClean="0">
-                <a:solidFill>
-                  <a:srgbClr val="0000FF"/>
-                </a:solidFill>
-              </a:rPr>
-              <a:t> </a:t>
+              <a:t>Insert.jsp</a:t>
             </a:r>
             <a:endParaRPr lang="ko-KR" altLang="en-US" sz="1200" dirty="0">
               <a:solidFill>
@@ -3830,68 +3548,12 @@
           <a:lstStyle/>
           <a:p>
             <a:r>
-              <a:rPr lang="ko-KR" altLang="en-US" sz="1200" b="1" dirty="0" smtClean="0">
+              <a:rPr lang="en-US" altLang="ko-KR" sz="1200" b="1" dirty="0" err="1" smtClean="0">
                 <a:solidFill>
                   <a:srgbClr val="0000FF"/>
                 </a:solidFill>
               </a:rPr>
-              <a:t>화면이름 </a:t>
-            </a:r>
-            <a:r>
-              <a:rPr lang="en-US" altLang="ko-KR" sz="1200" b="1" dirty="0" smtClean="0">
-                <a:solidFill>
-                  <a:srgbClr val="0000FF"/>
-                </a:solidFill>
-              </a:rPr>
-              <a:t>(    </a:t>
-            </a:r>
-            <a:r>
-              <a:rPr lang="en-US" altLang="ko-KR" sz="1200" b="1" dirty="0" err="1" smtClean="0">
-                <a:solidFill>
-                  <a:srgbClr val="0000FF"/>
-                </a:solidFill>
-              </a:rPr>
-              <a:t>jsp</a:t>
-            </a:r>
-            <a:r>
-              <a:rPr lang="en-US" altLang="ko-KR" sz="1200" b="1" dirty="0" smtClean="0">
-                <a:solidFill>
-                  <a:srgbClr val="0000FF"/>
-                </a:solidFill>
-              </a:rPr>
-              <a:t> </a:t>
-            </a:r>
-            <a:r>
-              <a:rPr lang="ko-KR" altLang="en-US" sz="1200" b="1" dirty="0" smtClean="0">
-                <a:solidFill>
-                  <a:srgbClr val="0000FF"/>
-                </a:solidFill>
-              </a:rPr>
-              <a:t>또는 </a:t>
-            </a:r>
-            <a:r>
-              <a:rPr lang="en-US" altLang="ko-KR" sz="1200" b="1" dirty="0" smtClean="0">
-                <a:solidFill>
-                  <a:srgbClr val="0000FF"/>
-                </a:solidFill>
-              </a:rPr>
-              <a:t>html </a:t>
-            </a:r>
-            <a:r>
-              <a:rPr lang="ko-KR" altLang="en-US" sz="1200" b="1" dirty="0" smtClean="0">
-                <a:solidFill>
-                  <a:srgbClr val="0000FF"/>
-                </a:solidFill>
-              </a:rPr>
-              <a:t>파일명 </a:t>
-            </a:r>
-            <a:r>
-              <a:rPr lang="en-US" altLang="ko-KR" sz="1200" b="1" dirty="0" smtClean="0">
-                <a:solidFill>
-                  <a:srgbClr val="0000FF"/>
-                </a:solidFill>
-              </a:rPr>
-              <a:t> )   </a:t>
+              <a:t>delete.jsp</a:t>
             </a:r>
             <a:endParaRPr lang="en-US" altLang="ko-KR" sz="1200" dirty="0">
               <a:solidFill>
@@ -3941,8 +3603,8 @@
         </p:nvSpPr>
         <p:spPr>
           <a:xfrm>
-            <a:off x="3064677" y="2564904"/>
-            <a:ext cx="3071834" cy="1569660"/>
+            <a:off x="3091396" y="2531138"/>
+            <a:ext cx="3071834" cy="276999"/>
           </a:xfrm>
           <a:prstGeom prst="rect">
             <a:avLst/>
@@ -3959,162 +3621,6 @@
             <a:spAutoFit/>
           </a:bodyPr>
           <a:lstStyle/>
-          <a:p>
-            <a:r>
-              <a:rPr lang="ko-KR" altLang="en-US" sz="1200" dirty="0" err="1" smtClean="0">
-                <a:solidFill>
-                  <a:srgbClr val="0000FF"/>
-                </a:solidFill>
-              </a:rPr>
-              <a:t>클래스명</a:t>
-            </a:r>
-            <a:endParaRPr lang="en-US" altLang="ko-KR" sz="1200" b="1" dirty="0" smtClean="0">
-              <a:solidFill>
-                <a:srgbClr val="0000FF"/>
-              </a:solidFill>
-            </a:endParaRPr>
-          </a:p>
-          <a:p>
-            <a:endParaRPr lang="en-US" altLang="ko-KR" sz="1200" dirty="0" smtClean="0">
-              <a:solidFill>
-                <a:srgbClr val="0000FF"/>
-              </a:solidFill>
-            </a:endParaRPr>
-          </a:p>
-          <a:p>
-            <a:r>
-              <a:rPr lang="en-US" altLang="ko-KR" sz="1200" dirty="0">
-                <a:solidFill>
-                  <a:srgbClr val="0000FF"/>
-                </a:solidFill>
-              </a:rPr>
-              <a:t> </a:t>
-            </a:r>
-            <a:r>
-              <a:rPr lang="en-US" altLang="ko-KR" sz="1200" dirty="0" smtClean="0">
-                <a:solidFill>
-                  <a:srgbClr val="0000FF"/>
-                </a:solidFill>
-              </a:rPr>
-              <a:t> </a:t>
-            </a:r>
-            <a:r>
-              <a:rPr lang="ko-KR" altLang="en-US" sz="1200" dirty="0" err="1" smtClean="0">
-                <a:solidFill>
-                  <a:srgbClr val="0000FF"/>
-                </a:solidFill>
-              </a:rPr>
-              <a:t>메소드명</a:t>
-            </a:r>
-            <a:r>
-              <a:rPr lang="en-US" altLang="ko-KR" sz="1200" dirty="0">
-                <a:solidFill>
-                  <a:srgbClr val="0000FF"/>
-                </a:solidFill>
-              </a:rPr>
-              <a:t>1</a:t>
-            </a:r>
-          </a:p>
-          <a:p>
-            <a:r>
-              <a:rPr lang="en-US" altLang="ko-KR" sz="1200" dirty="0">
-                <a:solidFill>
-                  <a:srgbClr val="0000FF"/>
-                </a:solidFill>
-              </a:rPr>
-              <a:t>    </a:t>
-            </a:r>
-            <a:r>
-              <a:rPr lang="ko-KR" altLang="en-US" sz="1200" dirty="0">
-                <a:solidFill>
-                  <a:srgbClr val="0000FF"/>
-                </a:solidFill>
-              </a:rPr>
-              <a:t>처리 </a:t>
-            </a:r>
-            <a:r>
-              <a:rPr lang="ko-KR" altLang="en-US" sz="1200" dirty="0" smtClean="0">
-                <a:solidFill>
-                  <a:srgbClr val="0000FF"/>
-                </a:solidFill>
-              </a:rPr>
-              <a:t>내용</a:t>
-            </a:r>
-            <a:endParaRPr lang="en-US" altLang="ko-KR" sz="1200" dirty="0" smtClean="0">
-              <a:solidFill>
-                <a:srgbClr val="0000FF"/>
-              </a:solidFill>
-            </a:endParaRPr>
-          </a:p>
-          <a:p>
-            <a:r>
-              <a:rPr lang="ko-KR" altLang="en-US" sz="1200" dirty="0" smtClean="0">
-                <a:solidFill>
-                  <a:srgbClr val="0000FF"/>
-                </a:solidFill>
-              </a:rPr>
-              <a:t>  </a:t>
-            </a:r>
-            <a:r>
-              <a:rPr lang="ko-KR" altLang="en-US" sz="1200" dirty="0" err="1" smtClean="0">
-                <a:solidFill>
-                  <a:srgbClr val="0000FF"/>
-                </a:solidFill>
-              </a:rPr>
-              <a:t>메소드명</a:t>
-            </a:r>
-            <a:r>
-              <a:rPr lang="en-US" altLang="ko-KR" sz="1200" dirty="0" smtClean="0">
-                <a:solidFill>
-                  <a:srgbClr val="0000FF"/>
-                </a:solidFill>
-              </a:rPr>
-              <a:t>2</a:t>
-            </a:r>
-            <a:endParaRPr lang="en-US" altLang="ko-KR" sz="1200" dirty="0">
-              <a:solidFill>
-                <a:srgbClr val="0000FF"/>
-              </a:solidFill>
-            </a:endParaRPr>
-          </a:p>
-          <a:p>
-            <a:r>
-              <a:rPr lang="en-US" altLang="ko-KR" sz="1200" dirty="0">
-                <a:solidFill>
-                  <a:srgbClr val="0000FF"/>
-                </a:solidFill>
-              </a:rPr>
-              <a:t>    </a:t>
-            </a:r>
-            <a:r>
-              <a:rPr lang="ko-KR" altLang="en-US" sz="1200" dirty="0">
-                <a:solidFill>
-                  <a:srgbClr val="0000FF"/>
-                </a:solidFill>
-              </a:rPr>
-              <a:t>처리 내용 </a:t>
-            </a:r>
-            <a:endParaRPr lang="en-US" altLang="ko-KR" sz="1200" dirty="0">
-              <a:solidFill>
-                <a:srgbClr val="0000FF"/>
-              </a:solidFill>
-            </a:endParaRPr>
-          </a:p>
-          <a:p>
-            <a:r>
-              <a:rPr lang="ko-KR" altLang="en-US" sz="1200" dirty="0" smtClean="0">
-                <a:solidFill>
-                  <a:srgbClr val="0000FF"/>
-                </a:solidFill>
-              </a:rPr>
-              <a:t> </a:t>
-            </a:r>
-            <a:endParaRPr lang="en-US" altLang="ko-KR" sz="1200" dirty="0">
-              <a:solidFill>
-                <a:srgbClr val="0000FF"/>
-              </a:solidFill>
-            </a:endParaRPr>
-          </a:p>
           <a:p>
             <a:endParaRPr lang="en-US" altLang="ko-KR" sz="1200" dirty="0" smtClean="0">
               <a:solidFill>
@@ -4324,7 +3830,7 @@
         <p:spPr>
           <a:xfrm>
             <a:off x="0" y="4552260"/>
-            <a:ext cx="2771800" cy="1015663"/>
+            <a:ext cx="2771800" cy="830997"/>
           </a:xfrm>
           <a:prstGeom prst="rect">
             <a:avLst/>
@@ -4343,76 +3849,21 @@
           <a:lstStyle/>
           <a:p>
             <a:r>
-              <a:rPr lang="ko-KR" altLang="en-US" sz="1200" b="1" dirty="0" smtClean="0">
+              <a:rPr lang="en-US" altLang="ko-KR" sz="1200" b="1" dirty="0" err="1" smtClean="0">
                 <a:solidFill>
                   <a:srgbClr val="0000FF"/>
                 </a:solidFill>
               </a:rPr>
-              <a:t>화면이름 </a:t>
-            </a:r>
-            <a:r>
-              <a:rPr lang="en-US" altLang="ko-KR" sz="1200" b="1" dirty="0" smtClean="0">
+              <a:t>m</a:t>
+            </a:r>
+            <a:r>
+              <a:rPr lang="en-US" altLang="ko-KR" sz="1200" b="1" dirty="0" err="1" smtClean="0">
                 <a:solidFill>
                   <a:srgbClr val="0000FF"/>
                 </a:solidFill>
               </a:rPr>
-              <a:t>(    </a:t>
-            </a:r>
-            <a:r>
-              <a:rPr lang="en-US" altLang="ko-KR" sz="1200" b="1" dirty="0" err="1" smtClean="0">
-                <a:solidFill>
-                  <a:srgbClr val="0000FF"/>
-                </a:solidFill>
-              </a:rPr>
-              <a:t>jsp</a:t>
-            </a:r>
-            <a:r>
-              <a:rPr lang="en-US" altLang="ko-KR" sz="1200" b="1" dirty="0" smtClean="0">
-                <a:solidFill>
-                  <a:srgbClr val="0000FF"/>
-                </a:solidFill>
-              </a:rPr>
-              <a:t> </a:t>
-            </a:r>
-            <a:r>
-              <a:rPr lang="ko-KR" altLang="en-US" sz="1200" b="1" dirty="0" smtClean="0">
-                <a:solidFill>
-                  <a:srgbClr val="0000FF"/>
-                </a:solidFill>
-              </a:rPr>
-              <a:t>또는 </a:t>
-            </a:r>
-            <a:r>
-              <a:rPr lang="en-US" altLang="ko-KR" sz="1200" b="1" dirty="0" smtClean="0">
-                <a:solidFill>
-                  <a:srgbClr val="0000FF"/>
-                </a:solidFill>
-              </a:rPr>
-              <a:t>html </a:t>
-            </a:r>
-            <a:r>
-              <a:rPr lang="ko-KR" altLang="en-US" sz="1200" b="1" dirty="0" smtClean="0">
-                <a:solidFill>
-                  <a:srgbClr val="0000FF"/>
-                </a:solidFill>
-              </a:rPr>
-              <a:t>파일명 </a:t>
-            </a:r>
-            <a:r>
-              <a:rPr lang="en-US" altLang="ko-KR" sz="1200" b="1" dirty="0" smtClean="0">
-                <a:solidFill>
-                  <a:srgbClr val="0000FF"/>
-                </a:solidFill>
-              </a:rPr>
-              <a:t> )   </a:t>
-            </a:r>
-            <a:endParaRPr lang="en-US" altLang="ko-KR" sz="1200" dirty="0">
-              <a:solidFill>
-                <a:srgbClr val="0000FF"/>
-              </a:solidFill>
-            </a:endParaRPr>
-          </a:p>
-          <a:p>
+              <a:t>ain.jsp</a:t>
+            </a:r>
             <a:endParaRPr lang="en-US" altLang="ko-KR" sz="1200" dirty="0">
               <a:solidFill>
                 <a:srgbClr val="0000FF"/>
@@ -4474,12 +3925,12 @@
           <a:lstStyle/>
           <a:p>
             <a:r>
-              <a:rPr lang="ko-KR" altLang="en-US" sz="1200" dirty="0" err="1" smtClean="0">
+              <a:rPr lang="en-US" altLang="ko-KR" sz="1200" dirty="0" smtClean="0">
                 <a:solidFill>
                   <a:srgbClr val="0000FF"/>
                 </a:solidFill>
               </a:rPr>
-              <a:t>클래스명</a:t>
+              <a:t>SalVO.java</a:t>
             </a:r>
             <a:endParaRPr lang="en-US" altLang="ko-KR" sz="1200" dirty="0" smtClean="0">
               <a:solidFill>
@@ -4610,11 +4061,7 @@
             </a:r>
             <a:r>
               <a:rPr lang="ko-KR" altLang="en-US" dirty="0" smtClean="0"/>
-              <a:t>테이블에 다음과 같은 </a:t>
-            </a:r>
-            <a:r>
-              <a:rPr lang="ko-KR" altLang="en-US" dirty="0" smtClean="0"/>
-              <a:t>기능이  </a:t>
+              <a:t>테이블에 다음과 같은 기능이  </a:t>
             </a:r>
             <a:r>
               <a:rPr lang="ko-KR" altLang="en-US" dirty="0"/>
